--- a/presentations/template/ep1000_template.pptx
+++ b/presentations/template/ep1000_template.pptx
@@ -198,7 +198,7 @@
           <a:p>
             <a:fld id="{2A875741-58CA-43A4-9946-B635E52C5CD8}" type="datetimeFigureOut">
               <a:rPr lang="en-US" smtClean="0"/>
-              <a:t>5/24/2021</a:t>
+              <a:t>11/7/2021</a:t>
             </a:fld>
             <a:endParaRPr lang="en-US"/>
           </a:p>
@@ -608,7 +608,7 @@
           <a:p>
             <a:fld id="{9665C769-D7C3-4E51-9622-EB882B1C6B88}" type="datetime1">
               <a:rPr lang="en-US" smtClean="0"/>
-              <a:t>5/24/2021</a:t>
+              <a:t>11/7/2021</a:t>
             </a:fld>
             <a:endParaRPr lang="en-US"/>
           </a:p>
@@ -802,7 +802,7 @@
           <a:p>
             <a:fld id="{AC2FA8F2-92AD-4DF3-BB80-1A576E4607C5}" type="datetime1">
               <a:rPr lang="en-US" smtClean="0"/>
-              <a:t>5/24/2021</a:t>
+              <a:t>11/7/2021</a:t>
             </a:fld>
             <a:endParaRPr lang="en-US"/>
           </a:p>
@@ -1001,7 +1001,7 @@
           <a:p>
             <a:fld id="{FF161318-0D48-4B52-BC2D-A0EA8E79725D}" type="datetime1">
               <a:rPr lang="en-US" smtClean="0"/>
-              <a:t>5/24/2021</a:t>
+              <a:t>11/7/2021</a:t>
             </a:fld>
             <a:endParaRPr lang="en-US"/>
           </a:p>
@@ -1195,7 +1195,7 @@
           <a:p>
             <a:fld id="{828929F4-2E32-48E9-8E95-ABAA8EAAF6A9}" type="datetime1">
               <a:rPr lang="en-US" smtClean="0"/>
-              <a:t>5/24/2021</a:t>
+              <a:t>11/7/2021</a:t>
             </a:fld>
             <a:endParaRPr lang="en-US"/>
           </a:p>
@@ -1458,7 +1458,7 @@
           <a:p>
             <a:fld id="{4D668969-C21F-428C-9E53-8D921FF4543A}" type="datetime1">
               <a:rPr lang="en-US" smtClean="0"/>
-              <a:t>5/24/2021</a:t>
+              <a:t>11/7/2021</a:t>
             </a:fld>
             <a:endParaRPr lang="en-US"/>
           </a:p>
@@ -1712,7 +1712,7 @@
           <a:p>
             <a:fld id="{01FB22A5-6159-4D69-BFEE-F4892803599C}" type="datetime1">
               <a:rPr lang="en-US" smtClean="0"/>
-              <a:t>5/24/2021</a:t>
+              <a:t>11/7/2021</a:t>
             </a:fld>
             <a:endParaRPr lang="en-US"/>
           </a:p>
@@ -2106,7 +2106,7 @@
           <a:p>
             <a:fld id="{738CC944-9765-440C-9A18-3DC1DA37440E}" type="datetime1">
               <a:rPr lang="en-US" smtClean="0"/>
-              <a:t>5/24/2021</a:t>
+              <a:t>11/7/2021</a:t>
             </a:fld>
             <a:endParaRPr lang="en-US"/>
           </a:p>
@@ -2240,7 +2240,7 @@
           <a:p>
             <a:fld id="{D8661C67-BB8E-4D16-A78D-460AAF94A53C}" type="datetime1">
               <a:rPr lang="en-US" smtClean="0"/>
-              <a:t>5/24/2021</a:t>
+              <a:t>11/7/2021</a:t>
             </a:fld>
             <a:endParaRPr lang="en-US"/>
           </a:p>
@@ -2351,7 +2351,7 @@
           <a:p>
             <a:fld id="{DBBC12E8-4105-456C-A90A-AF2362FB188F}" type="datetime1">
               <a:rPr lang="en-US" smtClean="0"/>
-              <a:t>5/24/2021</a:t>
+              <a:t>11/7/2021</a:t>
             </a:fld>
             <a:endParaRPr lang="en-US"/>
           </a:p>
@@ -2650,7 +2650,7 @@
           <a:p>
             <a:fld id="{11FD4DDA-56B2-4B92-884C-68E9C78E3003}" type="datetime1">
               <a:rPr lang="en-US" smtClean="0"/>
-              <a:t>5/24/2021</a:t>
+              <a:t>11/7/2021</a:t>
             </a:fld>
             <a:endParaRPr lang="en-US"/>
           </a:p>
@@ -2929,7 +2929,7 @@
           <a:p>
             <a:fld id="{750461B4-47C4-4F2C-98A2-225FD39D225C}" type="datetime1">
               <a:rPr lang="en-US" smtClean="0"/>
-              <a:t>5/24/2021</a:t>
+              <a:t>11/7/2021</a:t>
             </a:fld>
             <a:endParaRPr lang="en-US"/>
           </a:p>
@@ -3548,7 +3548,7 @@
           <a:lstStyle/>
           <a:p>
             <a:r>
-              <a:rPr lang="en-US"/>
+              <a:rPr lang="en-US" dirty="0"/>
               <a:t>Template</a:t>
             </a:r>
             <a:br>
